--- a/stats/displaying-data.pptx
+++ b/stats/displaying-data.pptx
@@ -31,25 +31,18 @@
       <p:boldItalic r:id="rId17"/>
     </p:embeddedFont>
     <p:embeddedFont>
-      <p:font typeface="Calibri" panose="020F0502020204030204" pitchFamily="34" charset="0"/>
+      <p:font typeface="Roboto Condensed" panose="020F0502020204030204" pitchFamily="34" charset="0"/>
       <p:regular r:id="rId18"/>
       <p:bold r:id="rId19"/>
       <p:italic r:id="rId20"/>
       <p:boldItalic r:id="rId21"/>
     </p:embeddedFont>
     <p:embeddedFont>
-      <p:font typeface="Roboto Condensed" panose="020F0502020204030204" pitchFamily="34" charset="0"/>
+      <p:font typeface="Roboto Condensed Light" panose="020F0302020204030204" pitchFamily="34" charset="0"/>
       <p:regular r:id="rId22"/>
       <p:bold r:id="rId23"/>
       <p:italic r:id="rId24"/>
       <p:boldItalic r:id="rId25"/>
-    </p:embeddedFont>
-    <p:embeddedFont>
-      <p:font typeface="Roboto Condensed Light" panose="020F0302020204030204" pitchFamily="34" charset="0"/>
-      <p:regular r:id="rId26"/>
-      <p:bold r:id="rId27"/>
-      <p:italic r:id="rId28"/>
-      <p:boldItalic r:id="rId29"/>
     </p:embeddedFont>
   </p:embeddedFontLst>
   <p:defaultTextStyle>
@@ -6331,8 +6324,20 @@
               <a:buNone/>
             </a:pPr>
             <a:r>
+              <a:rPr lang="en-US" sz="3200"/>
+              <a:t>1</a:t>
+            </a:r>
+            <a:r>
               <a:rPr lang="en-US" sz="3200" dirty="0"/>
-              <a:t>8.2 Displaying Data</a:t>
+              <a:t>1</a:t>
+            </a:r>
+            <a:r>
+              <a:rPr lang="en-US" sz="3200"/>
+              <a:t>.2 </a:t>
+            </a:r>
+            <a:r>
+              <a:rPr lang="en-US" sz="3200" dirty="0"/>
+              <a:t>Displaying Data</a:t>
             </a:r>
             <a:endParaRPr sz="6800" dirty="0"/>
           </a:p>
